--- a/plugins/vdm2isa/pub/recursion/talk/VDM recursion in Isabelle_HOL (Overture 2023).pptx
+++ b/plugins/vdm2isa/pub/recursion/talk/VDM recursion in Isabelle_HOL (Overture 2023).pptx
@@ -20001,6 +20001,285 @@
 </file>
 
 <file path=ppt/theme/theme1.xml><?xml version="1.0" encoding="utf-8"?>
+<a:theme xmlns:a="http://schemas.openxmlformats.org/drawingml/2006/main" xmlns:r="http://schemas.openxmlformats.org/officeDocument/2006/relationships" name="Streamline">
+  <a:themeElements>
+    <a:clrScheme name="Streamline">
+      <a:dk1>
+        <a:srgbClr val="1A9988"/>
+      </a:dk1>
+      <a:lt1>
+        <a:srgbClr val="FFFFFF"/>
+      </a:lt1>
+      <a:dk2>
+        <a:srgbClr val="1A1A1A"/>
+      </a:dk2>
+      <a:lt2>
+        <a:srgbClr val="E9EDEE"/>
+      </a:lt2>
+      <a:accent1>
+        <a:srgbClr val="595959"/>
+      </a:accent1>
+      <a:accent2>
+        <a:srgbClr val="6AA4C8"/>
+      </a:accent2>
+      <a:accent3>
+        <a:srgbClr val="EB5600"/>
+      </a:accent3>
+      <a:accent4>
+        <a:srgbClr val="A2FFE8"/>
+      </a:accent4>
+      <a:accent5>
+        <a:srgbClr val="1C3678"/>
+      </a:accent5>
+      <a:accent6>
+        <a:srgbClr val="FFB8A2"/>
+      </a:accent6>
+      <a:hlink>
+        <a:srgbClr val="1C3678"/>
+      </a:hlink>
+      <a:folHlink>
+        <a:srgbClr val="1C3678"/>
+      </a:folHlink>
+    </a:clrScheme>
+    <a:fontScheme name="Office">
+      <a:majorFont>
+        <a:latin typeface="Arial"/>
+        <a:ea typeface=""/>
+        <a:cs typeface=""/>
+        <a:font script="Jpan" typeface="ＭＳ Ｐゴシック"/>
+        <a:font script="Hang" typeface="맑은 고딕"/>
+        <a:font script="Hans" typeface="宋体"/>
+        <a:font script="Hant" typeface="新細明體"/>
+        <a:font script="Arab" typeface="Times New Roman"/>
+        <a:font script="Hebr" typeface="Times New Roman"/>
+        <a:font script="Thai" typeface="Angsana New"/>
+        <a:font script="Ethi" typeface="Nyala"/>
+        <a:font script="Beng" typeface="Vrinda"/>
+        <a:font script="Gujr" typeface="Shruti"/>
+        <a:font script="Khmr" typeface="MoolBoran"/>
+        <a:font script="Knda" typeface="Tunga"/>
+        <a:font script="Guru" typeface="Raavi"/>
+        <a:font script="Cans" typeface="Euphemia"/>
+        <a:font script="Cher" typeface="Plantagenet Cherokee"/>
+        <a:font script="Yiii" typeface="Microsoft Yi Baiti"/>
+        <a:font script="Tibt" typeface="Microsoft Himalaya"/>
+        <a:font script="Thaa" typeface="MV Boli"/>
+        <a:font script="Deva" typeface="Mangal"/>
+        <a:font script="Telu" typeface="Gautami"/>
+        <a:font script="Taml" typeface="Latha"/>
+        <a:font script="Syrc" typeface="Estrangelo Edessa"/>
+        <a:font script="Orya" typeface="Kalinga"/>
+        <a:font script="Mlym" typeface="Kartika"/>
+        <a:font script="Laoo" typeface="DokChampa"/>
+        <a:font script="Sinh" typeface="Iskoola Pota"/>
+        <a:font script="Mong" typeface="Mongolian Baiti"/>
+        <a:font script="Viet" typeface="Times New Roman"/>
+        <a:font script="Uigh" typeface="Microsoft Uighur"/>
+        <a:font script="Geor" typeface="Sylfaen"/>
+      </a:majorFont>
+      <a:minorFont>
+        <a:latin typeface="Arial"/>
+        <a:ea typeface=""/>
+        <a:cs typeface=""/>
+        <a:font script="Jpan" typeface="ＭＳ Ｐゴシック"/>
+        <a:font script="Hang" typeface="맑은 고딕"/>
+        <a:font script="Hans" typeface="宋体"/>
+        <a:font script="Hant" typeface="新細明體"/>
+        <a:font script="Arab" typeface="Arial"/>
+        <a:font script="Hebr" typeface="Arial"/>
+        <a:font script="Thai" typeface="Cordia New"/>
+        <a:font script="Ethi" typeface="Nyala"/>
+        <a:font script="Beng" typeface="Vrinda"/>
+        <a:font script="Gujr" typeface="Shruti"/>
+        <a:font script="Khmr" typeface="DaunPenh"/>
+        <a:font script="Knda" typeface="Tunga"/>
+        <a:font script="Guru" typeface="Raavi"/>
+        <a:font script="Cans" typeface="Euphemia"/>
+        <a:font script="Cher" typeface="Plantagenet Cherokee"/>
+        <a:font script="Yiii" typeface="Microsoft Yi Baiti"/>
+        <a:font script="Tibt" typeface="Microsoft Himalaya"/>
+        <a:font script="Thaa" typeface="MV Boli"/>
+        <a:font script="Deva" typeface="Mangal"/>
+        <a:font script="Telu" typeface="Gautami"/>
+        <a:font script="Taml" typeface="Latha"/>
+        <a:font script="Syrc" typeface="Estrangelo Edessa"/>
+        <a:font script="Orya" typeface="Kalinga"/>
+        <a:font script="Mlym" typeface="Kartika"/>
+        <a:font script="Laoo" typeface="DokChampa"/>
+        <a:font script="Sinh" typeface="Iskoola Pota"/>
+        <a:font script="Mong" typeface="Mongolian Baiti"/>
+        <a:font script="Viet" typeface="Arial"/>
+        <a:font script="Uigh" typeface="Microsoft Uighur"/>
+        <a:font script="Geor" typeface="Sylfaen"/>
+      </a:minorFont>
+    </a:fontScheme>
+    <a:fmtScheme name="Office">
+      <a:fillStyleLst>
+        <a:solidFill>
+          <a:schemeClr val="phClr"/>
+        </a:solidFill>
+        <a:gradFill rotWithShape="1">
+          <a:gsLst>
+            <a:gs pos="0">
+              <a:schemeClr val="phClr">
+                <a:tint val="50000"/>
+                <a:satMod val="300000"/>
+              </a:schemeClr>
+            </a:gs>
+            <a:gs pos="35000">
+              <a:schemeClr val="phClr">
+                <a:tint val="37000"/>
+                <a:satMod val="300000"/>
+              </a:schemeClr>
+            </a:gs>
+            <a:gs pos="100000">
+              <a:schemeClr val="phClr">
+                <a:tint val="15000"/>
+                <a:satMod val="350000"/>
+              </a:schemeClr>
+            </a:gs>
+          </a:gsLst>
+          <a:lin ang="16200000" scaled="1"/>
+        </a:gradFill>
+        <a:gradFill rotWithShape="1">
+          <a:gsLst>
+            <a:gs pos="0">
+              <a:schemeClr val="phClr">
+                <a:tint val="100000"/>
+                <a:shade val="100000"/>
+                <a:satMod val="130000"/>
+              </a:schemeClr>
+            </a:gs>
+            <a:gs pos="100000">
+              <a:schemeClr val="phClr">
+                <a:tint val="50000"/>
+                <a:shade val="100000"/>
+                <a:satMod val="350000"/>
+              </a:schemeClr>
+            </a:gs>
+          </a:gsLst>
+          <a:lin ang="16200000" scaled="0"/>
+        </a:gradFill>
+      </a:fillStyleLst>
+      <a:lnStyleLst>
+        <a:ln w="9525" cap="flat" cmpd="sng" algn="ctr">
+          <a:solidFill>
+            <a:schemeClr val="phClr">
+              <a:shade val="95000"/>
+              <a:satMod val="105000"/>
+            </a:schemeClr>
+          </a:solidFill>
+          <a:prstDash val="solid"/>
+        </a:ln>
+        <a:ln w="25400" cap="flat" cmpd="sng" algn="ctr">
+          <a:solidFill>
+            <a:schemeClr val="phClr"/>
+          </a:solidFill>
+          <a:prstDash val="solid"/>
+        </a:ln>
+        <a:ln w="38100" cap="flat" cmpd="sng" algn="ctr">
+          <a:solidFill>
+            <a:schemeClr val="phClr"/>
+          </a:solidFill>
+          <a:prstDash val="solid"/>
+        </a:ln>
+      </a:lnStyleLst>
+      <a:effectStyleLst>
+        <a:effectStyle>
+          <a:effectLst>
+            <a:outerShdw blurRad="40000" dist="20000" dir="5400000" rotWithShape="0">
+              <a:srgbClr val="000000">
+                <a:alpha val="38000"/>
+              </a:srgbClr>
+            </a:outerShdw>
+          </a:effectLst>
+        </a:effectStyle>
+        <a:effectStyle>
+          <a:effectLst>
+            <a:outerShdw blurRad="40000" dist="23000" dir="5400000" rotWithShape="0">
+              <a:srgbClr val="000000">
+                <a:alpha val="35000"/>
+              </a:srgbClr>
+            </a:outerShdw>
+          </a:effectLst>
+        </a:effectStyle>
+        <a:effectStyle>
+          <a:effectLst>
+            <a:outerShdw blurRad="40000" dist="23000" dir="5400000" rotWithShape="0">
+              <a:srgbClr val="000000">
+                <a:alpha val="35000"/>
+              </a:srgbClr>
+            </a:outerShdw>
+          </a:effectLst>
+          <a:scene3d>
+            <a:camera prst="orthographicFront">
+              <a:rot lat="0" lon="0" rev="0"/>
+            </a:camera>
+            <a:lightRig rig="threePt" dir="t">
+              <a:rot lat="0" lon="0" rev="1200000"/>
+            </a:lightRig>
+          </a:scene3d>
+          <a:sp3d>
+            <a:bevelT w="63500" h="25400"/>
+          </a:sp3d>
+        </a:effectStyle>
+      </a:effectStyleLst>
+      <a:bgFillStyleLst>
+        <a:solidFill>
+          <a:schemeClr val="phClr"/>
+        </a:solidFill>
+        <a:gradFill rotWithShape="1">
+          <a:gsLst>
+            <a:gs pos="0">
+              <a:schemeClr val="phClr">
+                <a:tint val="40000"/>
+                <a:satMod val="350000"/>
+              </a:schemeClr>
+            </a:gs>
+            <a:gs pos="40000">
+              <a:schemeClr val="phClr">
+                <a:tint val="45000"/>
+                <a:shade val="99000"/>
+                <a:satMod val="350000"/>
+              </a:schemeClr>
+            </a:gs>
+            <a:gs pos="100000">
+              <a:schemeClr val="phClr">
+                <a:shade val="20000"/>
+                <a:satMod val="255000"/>
+              </a:schemeClr>
+            </a:gs>
+          </a:gsLst>
+          <a:path path="circle">
+            <a:fillToRect l="50000" t="-80000" r="50000" b="180000"/>
+          </a:path>
+        </a:gradFill>
+        <a:gradFill rotWithShape="1">
+          <a:gsLst>
+            <a:gs pos="0">
+              <a:schemeClr val="phClr">
+                <a:tint val="80000"/>
+                <a:satMod val="300000"/>
+              </a:schemeClr>
+            </a:gs>
+            <a:gs pos="100000">
+              <a:schemeClr val="phClr">
+                <a:shade val="30000"/>
+                <a:satMod val="200000"/>
+              </a:schemeClr>
+            </a:gs>
+          </a:gsLst>
+          <a:path path="circle">
+            <a:fillToRect l="50000" t="50000" r="50000" b="50000"/>
+          </a:path>
+        </a:gradFill>
+      </a:bgFillStyleLst>
+    </a:fmtScheme>
+  </a:themeElements>
+</a:theme>
+</file>
+
+<file path=ppt/theme/theme2.xml><?xml version="1.0" encoding="utf-8"?>
 <a:theme xmlns:a="http://schemas.openxmlformats.org/drawingml/2006/main" xmlns:r="http://schemas.openxmlformats.org/officeDocument/2006/relationships">
   <a:themeElements>
     <a:clrScheme name="Default">
@@ -20277,283 +20556,4 @@
     </a:fmtScheme>
   </a:themeElements>
 </a:theme>
-</file>
-
-<file path=ppt/theme/theme2.xml><?xml version="1.0" encoding="utf-8"?>
-<a:theme xmlns:a="http://schemas.openxmlformats.org/drawingml/2006/main" xmlns:r="http://schemas.openxmlformats.org/officeDocument/2006/relationships" name="Streamline">
-  <a:themeElements>
-    <a:clrScheme name="Streamline">
-      <a:dk1>
-        <a:srgbClr val="1A9988"/>
-      </a:dk1>
-      <a:lt1>
-        <a:srgbClr val="FFFFFF"/>
-      </a:lt1>
-      <a:dk2>
-        <a:srgbClr val="1A1A1A"/>
-      </a:dk2>
-      <a:lt2>
-        <a:srgbClr val="E9EDEE"/>
-      </a:lt2>
-      <a:accent1>
-        <a:srgbClr val="595959"/>
-      </a:accent1>
-      <a:accent2>
-        <a:srgbClr val="6AA4C8"/>
-      </a:accent2>
-      <a:accent3>
-        <a:srgbClr val="EB5600"/>
-      </a:accent3>
-      <a:accent4>
-        <a:srgbClr val="A2FFE8"/>
-      </a:accent4>
-      <a:accent5>
-        <a:srgbClr val="1C3678"/>
-      </a:accent5>
-      <a:accent6>
-        <a:srgbClr val="FFB8A2"/>
-      </a:accent6>
-      <a:hlink>
-        <a:srgbClr val="1C3678"/>
-      </a:hlink>
-      <a:folHlink>
-        <a:srgbClr val="1C3678"/>
-      </a:folHlink>
-    </a:clrScheme>
-    <a:fontScheme name="Office">
-      <a:majorFont>
-        <a:latin typeface="Arial"/>
-        <a:ea typeface=""/>
-        <a:cs typeface=""/>
-        <a:font script="Jpan" typeface="ＭＳ Ｐゴシック"/>
-        <a:font script="Hang" typeface="맑은 고딕"/>
-        <a:font script="Hans" typeface="宋体"/>
-        <a:font script="Hant" typeface="新細明體"/>
-        <a:font script="Arab" typeface="Times New Roman"/>
-        <a:font script="Hebr" typeface="Times New Roman"/>
-        <a:font script="Thai" typeface="Angsana New"/>
-        <a:font script="Ethi" typeface="Nyala"/>
-        <a:font script="Beng" typeface="Vrinda"/>
-        <a:font script="Gujr" typeface="Shruti"/>
-        <a:font script="Khmr" typeface="MoolBoran"/>
-        <a:font script="Knda" typeface="Tunga"/>
-        <a:font script="Guru" typeface="Raavi"/>
-        <a:font script="Cans" typeface="Euphemia"/>
-        <a:font script="Cher" typeface="Plantagenet Cherokee"/>
-        <a:font script="Yiii" typeface="Microsoft Yi Baiti"/>
-        <a:font script="Tibt" typeface="Microsoft Himalaya"/>
-        <a:font script="Thaa" typeface="MV Boli"/>
-        <a:font script="Deva" typeface="Mangal"/>
-        <a:font script="Telu" typeface="Gautami"/>
-        <a:font script="Taml" typeface="Latha"/>
-        <a:font script="Syrc" typeface="Estrangelo Edessa"/>
-        <a:font script="Orya" typeface="Kalinga"/>
-        <a:font script="Mlym" typeface="Kartika"/>
-        <a:font script="Laoo" typeface="DokChampa"/>
-        <a:font script="Sinh" typeface="Iskoola Pota"/>
-        <a:font script="Mong" typeface="Mongolian Baiti"/>
-        <a:font script="Viet" typeface="Times New Roman"/>
-        <a:font script="Uigh" typeface="Microsoft Uighur"/>
-        <a:font script="Geor" typeface="Sylfaen"/>
-      </a:majorFont>
-      <a:minorFont>
-        <a:latin typeface="Arial"/>
-        <a:ea typeface=""/>
-        <a:cs typeface=""/>
-        <a:font script="Jpan" typeface="ＭＳ Ｐゴシック"/>
-        <a:font script="Hang" typeface="맑은 고딕"/>
-        <a:font script="Hans" typeface="宋体"/>
-        <a:font script="Hant" typeface="新細明體"/>
-        <a:font script="Arab" typeface="Arial"/>
-        <a:font script="Hebr" typeface="Arial"/>
-        <a:font script="Thai" typeface="Cordia New"/>
-        <a:font script="Ethi" typeface="Nyala"/>
-        <a:font script="Beng" typeface="Vrinda"/>
-        <a:font script="Gujr" typeface="Shruti"/>
-        <a:font script="Khmr" typeface="DaunPenh"/>
-        <a:font script="Knda" typeface="Tunga"/>
-        <a:font script="Guru" typeface="Raavi"/>
-        <a:font script="Cans" typeface="Euphemia"/>
-        <a:font script="Cher" typeface="Plantagenet Cherokee"/>
-        <a:font script="Yiii" typeface="Microsoft Yi Baiti"/>
-        <a:font script="Tibt" typeface="Microsoft Himalaya"/>
-        <a:font script="Thaa" typeface="MV Boli"/>
-        <a:font script="Deva" typeface="Mangal"/>
-        <a:font script="Telu" typeface="Gautami"/>
-        <a:font script="Taml" typeface="Latha"/>
-        <a:font script="Syrc" typeface="Estrangelo Edessa"/>
-        <a:font script="Orya" typeface="Kalinga"/>
-        <a:font script="Mlym" typeface="Kartika"/>
-        <a:font script="Laoo" typeface="DokChampa"/>
-        <a:font script="Sinh" typeface="Iskoola Pota"/>
-        <a:font script="Mong" typeface="Mongolian Baiti"/>
-        <a:font script="Viet" typeface="Arial"/>
-        <a:font script="Uigh" typeface="Microsoft Uighur"/>
-        <a:font script="Geor" typeface="Sylfaen"/>
-      </a:minorFont>
-    </a:fontScheme>
-    <a:fmtScheme name="Office">
-      <a:fillStyleLst>
-        <a:solidFill>
-          <a:schemeClr val="phClr"/>
-        </a:solidFill>
-        <a:gradFill rotWithShape="1">
-          <a:gsLst>
-            <a:gs pos="0">
-              <a:schemeClr val="phClr">
-                <a:tint val="50000"/>
-                <a:satMod val="300000"/>
-              </a:schemeClr>
-            </a:gs>
-            <a:gs pos="35000">
-              <a:schemeClr val="phClr">
-                <a:tint val="37000"/>
-                <a:satMod val="300000"/>
-              </a:schemeClr>
-            </a:gs>
-            <a:gs pos="100000">
-              <a:schemeClr val="phClr">
-                <a:tint val="15000"/>
-                <a:satMod val="350000"/>
-              </a:schemeClr>
-            </a:gs>
-          </a:gsLst>
-          <a:lin ang="16200000" scaled="1"/>
-        </a:gradFill>
-        <a:gradFill rotWithShape="1">
-          <a:gsLst>
-            <a:gs pos="0">
-              <a:schemeClr val="phClr">
-                <a:tint val="100000"/>
-                <a:shade val="100000"/>
-                <a:satMod val="130000"/>
-              </a:schemeClr>
-            </a:gs>
-            <a:gs pos="100000">
-              <a:schemeClr val="phClr">
-                <a:tint val="50000"/>
-                <a:shade val="100000"/>
-                <a:satMod val="350000"/>
-              </a:schemeClr>
-            </a:gs>
-          </a:gsLst>
-          <a:lin ang="16200000" scaled="0"/>
-        </a:gradFill>
-      </a:fillStyleLst>
-      <a:lnStyleLst>
-        <a:ln w="9525" cap="flat" cmpd="sng" algn="ctr">
-          <a:solidFill>
-            <a:schemeClr val="phClr">
-              <a:shade val="95000"/>
-              <a:satMod val="105000"/>
-            </a:schemeClr>
-          </a:solidFill>
-          <a:prstDash val="solid"/>
-        </a:ln>
-        <a:ln w="25400" cap="flat" cmpd="sng" algn="ctr">
-          <a:solidFill>
-            <a:schemeClr val="phClr"/>
-          </a:solidFill>
-          <a:prstDash val="solid"/>
-        </a:ln>
-        <a:ln w="38100" cap="flat" cmpd="sng" algn="ctr">
-          <a:solidFill>
-            <a:schemeClr val="phClr"/>
-          </a:solidFill>
-          <a:prstDash val="solid"/>
-        </a:ln>
-      </a:lnStyleLst>
-      <a:effectStyleLst>
-        <a:effectStyle>
-          <a:effectLst>
-            <a:outerShdw blurRad="40000" dist="20000" dir="5400000" rotWithShape="0">
-              <a:srgbClr val="000000">
-                <a:alpha val="38000"/>
-              </a:srgbClr>
-            </a:outerShdw>
-          </a:effectLst>
-        </a:effectStyle>
-        <a:effectStyle>
-          <a:effectLst>
-            <a:outerShdw blurRad="40000" dist="23000" dir="5400000" rotWithShape="0">
-              <a:srgbClr val="000000">
-                <a:alpha val="35000"/>
-              </a:srgbClr>
-            </a:outerShdw>
-          </a:effectLst>
-        </a:effectStyle>
-        <a:effectStyle>
-          <a:effectLst>
-            <a:outerShdw blurRad="40000" dist="23000" dir="5400000" rotWithShape="0">
-              <a:srgbClr val="000000">
-                <a:alpha val="35000"/>
-              </a:srgbClr>
-            </a:outerShdw>
-          </a:effectLst>
-          <a:scene3d>
-            <a:camera prst="orthographicFront">
-              <a:rot lat="0" lon="0" rev="0"/>
-            </a:camera>
-            <a:lightRig rig="threePt" dir="t">
-              <a:rot lat="0" lon="0" rev="1200000"/>
-            </a:lightRig>
-          </a:scene3d>
-          <a:sp3d>
-            <a:bevelT w="63500" h="25400"/>
-          </a:sp3d>
-        </a:effectStyle>
-      </a:effectStyleLst>
-      <a:bgFillStyleLst>
-        <a:solidFill>
-          <a:schemeClr val="phClr"/>
-        </a:solidFill>
-        <a:gradFill rotWithShape="1">
-          <a:gsLst>
-            <a:gs pos="0">
-              <a:schemeClr val="phClr">
-                <a:tint val="40000"/>
-                <a:satMod val="350000"/>
-              </a:schemeClr>
-            </a:gs>
-            <a:gs pos="40000">
-              <a:schemeClr val="phClr">
-                <a:tint val="45000"/>
-                <a:shade val="99000"/>
-                <a:satMod val="350000"/>
-              </a:schemeClr>
-            </a:gs>
-            <a:gs pos="100000">
-              <a:schemeClr val="phClr">
-                <a:shade val="20000"/>
-                <a:satMod val="255000"/>
-              </a:schemeClr>
-            </a:gs>
-          </a:gsLst>
-          <a:path path="circle">
-            <a:fillToRect l="50000" t="-80000" r="50000" b="180000"/>
-          </a:path>
-        </a:gradFill>
-        <a:gradFill rotWithShape="1">
-          <a:gsLst>
-            <a:gs pos="0">
-              <a:schemeClr val="phClr">
-                <a:tint val="80000"/>
-                <a:satMod val="300000"/>
-              </a:schemeClr>
-            </a:gs>
-            <a:gs pos="100000">
-              <a:schemeClr val="phClr">
-                <a:shade val="30000"/>
-                <a:satMod val="200000"/>
-              </a:schemeClr>
-            </a:gs>
-          </a:gsLst>
-          <a:path path="circle">
-            <a:fillToRect l="50000" t="50000" r="50000" b="50000"/>
-          </a:path>
-        </a:gradFill>
-      </a:bgFillStyleLst>
-    </a:fmtScheme>
-  </a:themeElements>
-</a:theme>
 </file>
--- a/plugins/vdm2isa/pub/recursion/talk/VDM recursion in Isabelle_HOL (Overture 2023).pptx
+++ b/plugins/vdm2isa/pub/recursion/talk/VDM recursion in Isabelle_HOL (Overture 2023).pptx
@@ -5,7 +5,7 @@
     <p:sldMasterId id="2147483659" r:id="rId1"/>
   </p:sldMasterIdLst>
   <p:notesMasterIdLst>
-    <p:notesMasterId r:id="rId15"/>
+    <p:notesMasterId r:id="rId16"/>
   </p:notesMasterIdLst>
   <p:sldIdLst>
     <p:sldId id="256" r:id="rId2"/>
@@ -19,32 +19,33 @@
     <p:sldId id="264" r:id="rId10"/>
     <p:sldId id="265" r:id="rId11"/>
     <p:sldId id="266" r:id="rId12"/>
-    <p:sldId id="267" r:id="rId13"/>
-    <p:sldId id="268" r:id="rId14"/>
+    <p:sldId id="269" r:id="rId13"/>
+    <p:sldId id="267" r:id="rId14"/>
+    <p:sldId id="268" r:id="rId15"/>
   </p:sldIdLst>
   <p:sldSz cx="9144000" cy="5143500" type="screen16x9"/>
   <p:notesSz cx="6858000" cy="9144000"/>
   <p:embeddedFontLst>
     <p:embeddedFont>
       <p:font typeface="Consolas" panose="020B0609020204030204" pitchFamily="49" charset="0"/>
-      <p:regular r:id="rId16"/>
-      <p:bold r:id="rId17"/>
-      <p:italic r:id="rId18"/>
-      <p:boldItalic r:id="rId19"/>
+      <p:regular r:id="rId17"/>
+      <p:bold r:id="rId18"/>
+      <p:italic r:id="rId19"/>
+      <p:boldItalic r:id="rId20"/>
     </p:embeddedFont>
     <p:embeddedFont>
       <p:font typeface="Lato" panose="020F0502020204030203" pitchFamily="34" charset="0"/>
-      <p:regular r:id="rId20"/>
-      <p:bold r:id="rId21"/>
-      <p:italic r:id="rId22"/>
-      <p:boldItalic r:id="rId23"/>
+      <p:regular r:id="rId21"/>
+      <p:bold r:id="rId22"/>
+      <p:italic r:id="rId23"/>
+      <p:boldItalic r:id="rId24"/>
     </p:embeddedFont>
     <p:embeddedFont>
       <p:font typeface="Raleway" pitchFamily="2" charset="77"/>
-      <p:regular r:id="rId24"/>
-      <p:bold r:id="rId25"/>
-      <p:italic r:id="rId26"/>
-      <p:boldItalic r:id="rId27"/>
+      <p:regular r:id="rId25"/>
+      <p:bold r:id="rId26"/>
+      <p:italic r:id="rId27"/>
+      <p:boldItalic r:id="rId28"/>
     </p:embeddedFont>
   </p:embeddedFontLst>
   <p:defaultTextStyle>
@@ -1150,6 +1151,11 @@
         </p:txBody>
       </p:sp>
     </p:spTree>
+    <p:extLst>
+      <p:ext uri="{BB962C8B-B14F-4D97-AF65-F5344CB8AC3E}">
+        <p14:creationId xmlns:p14="http://schemas.microsoft.com/office/powerpoint/2010/main" val="3978181358"/>
+      </p:ext>
+    </p:extLst>
   </p:cSld>
   <p:clrMapOvr>
     <a:masterClrMapping/>
@@ -1158,6 +1164,110 @@
 </file>
 
 <file path=ppt/notesSlides/notesSlide13.xml><?xml version="1.0" encoding="utf-8"?>
+<p:notes xmlns:a="http://schemas.openxmlformats.org/drawingml/2006/main" xmlns:r="http://schemas.openxmlformats.org/officeDocument/2006/relationships" xmlns:p="http://schemas.openxmlformats.org/presentationml/2006/main" showMasterSp="0" showMasterPhAnim="0">
+  <p:cSld>
+    <p:spTree>
+      <p:nvGrpSpPr>
+        <p:cNvPr id="1" name="Shape 159"/>
+        <p:cNvGrpSpPr/>
+        <p:nvPr/>
+      </p:nvGrpSpPr>
+      <p:grpSpPr>
+        <a:xfrm>
+          <a:off x="0" y="0"/>
+          <a:ext cx="0" cy="0"/>
+          <a:chOff x="0" y="0"/>
+          <a:chExt cx="0" cy="0"/>
+        </a:xfrm>
+      </p:grpSpPr>
+      <p:sp>
+        <p:nvSpPr>
+          <p:cNvPr id="160" name="Google Shape;160;g216a19347fb_0_24:notes"/>
+          <p:cNvSpPr>
+            <a:spLocks noGrp="1" noRot="1" noChangeAspect="1"/>
+          </p:cNvSpPr>
+          <p:nvPr>
+            <p:ph type="sldImg" idx="2"/>
+          </p:nvPr>
+        </p:nvSpPr>
+        <p:spPr>
+          <a:xfrm>
+            <a:off x="381000" y="685800"/>
+            <a:ext cx="6096000" cy="3429000"/>
+          </a:xfrm>
+          <a:custGeom>
+            <a:avLst/>
+            <a:gdLst/>
+            <a:ahLst/>
+            <a:cxnLst/>
+            <a:rect l="l" t="t" r="r" b="b"/>
+            <a:pathLst>
+              <a:path w="120000" h="120000" extrusionOk="0">
+                <a:moveTo>
+                  <a:pt x="0" y="0"/>
+                </a:moveTo>
+                <a:lnTo>
+                  <a:pt x="120000" y="0"/>
+                </a:lnTo>
+                <a:lnTo>
+                  <a:pt x="120000" y="120000"/>
+                </a:lnTo>
+                <a:lnTo>
+                  <a:pt x="0" y="120000"/>
+                </a:lnTo>
+                <a:close/>
+              </a:path>
+            </a:pathLst>
+          </a:custGeom>
+        </p:spPr>
+      </p:sp>
+      <p:sp>
+        <p:nvSpPr>
+          <p:cNvPr id="161" name="Google Shape;161;g216a19347fb_0_24:notes"/>
+          <p:cNvSpPr txBox="1">
+            <a:spLocks noGrp="1"/>
+          </p:cNvSpPr>
+          <p:nvPr>
+            <p:ph type="body" idx="1"/>
+          </p:nvPr>
+        </p:nvSpPr>
+        <p:spPr>
+          <a:xfrm>
+            <a:off x="685800" y="4343400"/>
+            <a:ext cx="5486400" cy="4114800"/>
+          </a:xfrm>
+          <a:prstGeom prst="rect">
+            <a:avLst/>
+          </a:prstGeom>
+        </p:spPr>
+        <p:txBody>
+          <a:bodyPr spcFirstLastPara="1" wrap="square" lIns="91425" tIns="91425" rIns="91425" bIns="91425" anchor="t" anchorCtr="0">
+            <a:noAutofit/>
+          </a:bodyPr>
+          <a:lstStyle/>
+          <a:p>
+            <a:pPr marL="0" lvl="0" indent="0" algn="l" rtl="0">
+              <a:spcBef>
+                <a:spcPts val="0"/>
+              </a:spcBef>
+              <a:spcAft>
+                <a:spcPts val="0"/>
+              </a:spcAft>
+              <a:buNone/>
+            </a:pPr>
+            <a:endParaRPr/>
+          </a:p>
+        </p:txBody>
+      </p:sp>
+    </p:spTree>
+  </p:cSld>
+  <p:clrMapOvr>
+    <a:masterClrMapping/>
+  </p:clrMapOvr>
+</p:notes>
+</file>
+
+<file path=ppt/notesSlides/notesSlide14.xml><?xml version="1.0" encoding="utf-8"?>
 <p:notes xmlns:a="http://schemas.openxmlformats.org/drawingml/2006/main" xmlns:r="http://schemas.openxmlformats.org/officeDocument/2006/relationships" xmlns:p="http://schemas.openxmlformats.org/presentationml/2006/main" showMasterSp="0" showMasterPhAnim="0">
   <p:cSld>
     <p:spTree>
@@ -10463,10 +10573,10 @@
               <a:buNone/>
             </a:pPr>
             <a:r>
-              <a:rPr lang="en"/>
-              <a:t>Discussion </a:t>
-            </a:r>
-            <a:endParaRPr/>
+              <a:rPr lang="en" dirty="0"/>
+              <a:t>Concrete applications </a:t>
+            </a:r>
+            <a:endParaRPr dirty="0"/>
           </a:p>
         </p:txBody>
       </p:sp>
@@ -10506,10 +10616,10 @@
               <a:buChar char="●"/>
             </a:pPr>
             <a:r>
-              <a:rPr lang="en"/>
-              <a:t>Results</a:t>
-            </a:r>
-            <a:endParaRPr/>
+              <a:rPr lang="en" dirty="0"/>
+              <a:t>Substantial test-bed for VDM tools themselves</a:t>
+            </a:r>
+            <a:endParaRPr dirty="0"/>
           </a:p>
           <a:p>
             <a:pPr marL="914400" lvl="1" indent="-298450" algn="l" rtl="0">
@@ -10523,44 +10633,26 @@
               <a:buChar char="○"/>
             </a:pPr>
             <a:r>
-              <a:rPr lang="en"/>
-              <a:t>Semi-automated (with proof support) translation recipes/strategies for:</a:t>
-            </a:r>
-            <a:endParaRPr/>
-          </a:p>
-          <a:p>
-            <a:pPr marL="1371600" lvl="2" indent="-298450" algn="l" rtl="0">
-              <a:spcBef>
-                <a:spcPts val="0"/>
-              </a:spcBef>
-              <a:spcAft>
-                <a:spcPts val="0"/>
-              </a:spcAft>
-              <a:buSzPts val="1100"/>
-              <a:buChar char="■"/>
-            </a:pPr>
-            <a:r>
-              <a:rPr lang="en"/>
-              <a:t>VDM some numeric types (nat, nat1, int)</a:t>
-            </a:r>
-            <a:endParaRPr/>
-          </a:p>
-          <a:p>
-            <a:pPr marL="1371600" lvl="2" indent="-298450" algn="l" rtl="0">
-              <a:spcBef>
-                <a:spcPts val="0"/>
-              </a:spcBef>
-              <a:spcAft>
-                <a:spcPts val="0"/>
-              </a:spcAft>
-              <a:buSzPts val="1100"/>
-              <a:buChar char="■"/>
-            </a:pPr>
-            <a:r>
-              <a:rPr lang="en"/>
-              <a:t>VDM structured types (sets, sequences, maps)</a:t>
-            </a:r>
-            <a:endParaRPr/>
+              <a:rPr lang="en" dirty="0"/>
+              <a:t>Improvements on all low-level tools (e.g. parser, type checker, POG, </a:t>
+            </a:r>
+            <a:r>
+              <a:rPr lang="en" dirty="0" err="1"/>
+              <a:t>cmd</a:t>
+            </a:r>
+            <a:r>
+              <a:rPr lang="en" dirty="0"/>
+              <a:t>-line client, </a:t>
+            </a:r>
+            <a:r>
+              <a:rPr lang="en" dirty="0" err="1"/>
+              <a:t>VSCode</a:t>
+            </a:r>
+            <a:r>
+              <a:rPr lang="en" dirty="0"/>
+              <a:t>, etc.)</a:t>
+            </a:r>
+            <a:endParaRPr dirty="0"/>
           </a:p>
           <a:p>
             <a:pPr marL="914400" lvl="1" indent="-298450" algn="l" rtl="0">
@@ -10574,27 +10666,18 @@
               <a:buChar char="○"/>
             </a:pPr>
             <a:r>
-              <a:rPr lang="en"/>
-              <a:t>Automation caters for most common VDM recursive situations</a:t>
-            </a:r>
-            <a:endParaRPr/>
-          </a:p>
-          <a:p>
-            <a:pPr marL="1371600" lvl="2" indent="-298450" algn="l" rtl="0">
-              <a:spcBef>
-                <a:spcPts val="0"/>
-              </a:spcBef>
-              <a:spcAft>
-                <a:spcPts val="0"/>
-              </a:spcAft>
-              <a:buSzPts val="1100"/>
-              <a:buChar char="■"/>
-            </a:pPr>
-            <a:r>
-              <a:rPr lang="en"/>
-              <a:t>Decreasing nat/int, set (or map domain), sequence</a:t>
-            </a:r>
-            <a:endParaRPr/>
+              <a:rPr lang="en-GB" dirty="0"/>
+              <a:t>Inspiration for new tools (e.g., model validators, VDM to UML, VDM </a:t>
+            </a:r>
+            <a:r>
+              <a:rPr lang="en-GB" dirty="0" err="1"/>
+              <a:t>quick.check</a:t>
+            </a:r>
+            <a:r>
+              <a:rPr lang="en-GB" dirty="0"/>
+              <a:t>, etc.)</a:t>
+            </a:r>
+            <a:endParaRPr dirty="0"/>
           </a:p>
           <a:p>
             <a:pPr marL="457200" lvl="0" indent="-311150" algn="l" rtl="0">
@@ -10608,10 +10691,10 @@
               <a:buChar char="●"/>
             </a:pPr>
             <a:r>
-              <a:rPr lang="en"/>
-              <a:t>Limitations</a:t>
-            </a:r>
-            <a:endParaRPr/>
+              <a:rPr lang="en" dirty="0"/>
+              <a:t>Academic applications</a:t>
+            </a:r>
+            <a:endParaRPr dirty="0"/>
           </a:p>
           <a:p>
             <a:pPr marL="914400" lvl="1" indent="-298450" algn="l" rtl="0">
@@ -10625,10 +10708,10 @@
               <a:buChar char="○"/>
             </a:pPr>
             <a:r>
-              <a:rPr lang="en"/>
-              <a:t>Recursive VDM types (e.g. VDM records for say linked lists)</a:t>
-            </a:r>
-            <a:endParaRPr/>
+              <a:rPr lang="en-GB" dirty="0"/>
+              <a:t>Good number of the VDM-SL example suite translated and proved (with remaining errors fixed!)</a:t>
+            </a:r>
+            <a:endParaRPr dirty="0"/>
           </a:p>
           <a:p>
             <a:pPr marL="914400" lvl="1" indent="-298450" algn="l" rtl="0">
@@ -10642,49 +10725,56 @@
               <a:buChar char="○"/>
             </a:pPr>
             <a:r>
-              <a:rPr lang="en"/>
-              <a:t>General upper bound for inferred recursive relations works for </a:t>
-            </a:r>
-            <a:r>
-              <a:rPr lang="en">
-                <a:latin typeface="Consolas"/>
-                <a:ea typeface="Consolas"/>
-                <a:cs typeface="Consolas"/>
-                <a:sym typeface="Consolas"/>
-              </a:rPr>
-              <a:t>nat</a:t>
-            </a:r>
-            <a:r>
-              <a:rPr lang="en"/>
+              <a:rPr lang="en" dirty="0"/>
+              <a:t>Implementation of games of varied complexity useful for teaching + learning about modelling and proof</a:t>
+            </a:r>
+          </a:p>
+          <a:p>
+            <a:pPr lvl="2">
+              <a:buChar char="○"/>
+            </a:pPr>
+            <a:r>
+              <a:rPr lang="en-GB" dirty="0"/>
+              <a:t>XO, </a:t>
+            </a:r>
+            <a:r>
+              <a:rPr lang="en-GB" dirty="0" err="1"/>
+              <a:t>Suduku</a:t>
+            </a:r>
+            <a:r>
+              <a:rPr lang="en-GB" dirty="0"/>
+              <a:t>, Blackjack, </a:t>
+            </a:r>
+            <a:r>
+              <a:rPr lang="en-GB" dirty="0" err="1"/>
+              <a:t>Nim</a:t>
+            </a:r>
+            <a:r>
+              <a:rPr lang="en-GB" dirty="0"/>
               <a:t>, </a:t>
             </a:r>
             <a:r>
-              <a:rPr lang="en">
-                <a:latin typeface="Consolas"/>
-                <a:ea typeface="Consolas"/>
-                <a:cs typeface="Consolas"/>
-                <a:sym typeface="Consolas"/>
-              </a:rPr>
-              <a:t>int</a:t>
-            </a:r>
-            <a:r>
-              <a:rPr lang="en"/>
-              <a:t> and (simple) </a:t>
-            </a:r>
-            <a:r>
-              <a:rPr lang="en">
-                <a:latin typeface="Consolas"/>
-                <a:ea typeface="Consolas"/>
-                <a:cs typeface="Consolas"/>
-                <a:sym typeface="Consolas"/>
-              </a:rPr>
-              <a:t>sets</a:t>
-            </a:r>
-            <a:r>
-              <a:rPr lang="en"/>
-              <a:t> only.</a:t>
-            </a:r>
-            <a:endParaRPr/>
+              <a:rPr lang="en-GB" dirty="0" err="1"/>
+              <a:t>Dots&amp;Boxes</a:t>
+            </a:r>
+            <a:r>
+              <a:rPr lang="en-GB" dirty="0"/>
+              <a:t>, Victorian Safe, etc.</a:t>
+            </a:r>
+          </a:p>
+          <a:p>
+            <a:pPr lvl="2">
+              <a:buChar char="○"/>
+            </a:pPr>
+            <a:r>
+              <a:rPr lang="en-GB" dirty="0" err="1"/>
+              <a:t>Eurotransplant</a:t>
+            </a:r>
+            <a:r>
+              <a:rPr lang="en-GB" dirty="0"/>
+              <a:t> organ allocation selection policies </a:t>
+            </a:r>
+            <a:endParaRPr dirty="0"/>
           </a:p>
           <a:p>
             <a:pPr marL="457200" lvl="0" indent="-311150" algn="l" rtl="0">
@@ -10698,10 +10788,10 @@
               <a:buChar char="●"/>
             </a:pPr>
             <a:r>
-              <a:rPr lang="en"/>
-              <a:t>Complexities (e.g.  will require user-defined auxiliary lemmas and their proofs)</a:t>
-            </a:r>
-            <a:endParaRPr/>
+              <a:rPr lang="en" dirty="0"/>
+              <a:t>Industrial applications</a:t>
+            </a:r>
+            <a:endParaRPr dirty="0"/>
           </a:p>
           <a:p>
             <a:pPr marL="914400" lvl="1" indent="-298450" algn="l" rtl="0">
@@ -10715,10 +10805,17 @@
               <a:buChar char="○"/>
             </a:pPr>
             <a:r>
-              <a:rPr lang="en"/>
-              <a:t>Recursion over user-defined types</a:t>
-            </a:r>
-            <a:endParaRPr/>
+              <a:rPr lang="en-GB" dirty="0"/>
+              <a:t>CANDO Brain pacemaker </a:t>
+            </a:r>
+            <a:r>
+              <a:rPr lang="en-GB" dirty="0" err="1"/>
+              <a:t>optrode</a:t>
+            </a:r>
+            <a:r>
+              <a:rPr lang="en-GB" dirty="0"/>
+              <a:t>  microchip design and device driver</a:t>
+            </a:r>
           </a:p>
           <a:p>
             <a:pPr marL="914400" lvl="1" indent="-298450" algn="l" rtl="0">
@@ -10732,10 +10829,9 @@
               <a:buChar char="○"/>
             </a:pPr>
             <a:r>
-              <a:rPr lang="en"/>
-              <a:t>Recursion where recursive relation is outside predefined space</a:t>
-            </a:r>
-            <a:endParaRPr/>
+              <a:rPr lang="en-GB" dirty="0"/>
+              <a:t>ScubaTx organ preservation machine embedded control and treatment summaries </a:t>
+            </a:r>
           </a:p>
           <a:p>
             <a:pPr marL="914400" lvl="1" indent="-298450" algn="l" rtl="0">
@@ -10749,14 +10845,29 @@
               <a:buChar char="○"/>
             </a:pPr>
             <a:r>
-              <a:rPr lang="en"/>
-              <a:t>Mutual recursion will necessitate handling Isabelle union types</a:t>
-            </a:r>
-            <a:endParaRPr/>
+              <a:rPr lang="en-GB" dirty="0" err="1"/>
+              <a:t>Sppok</a:t>
+            </a:r>
+            <a:r>
+              <a:rPr lang="en-GB" dirty="0"/>
+              <a:t> security protocol specification language compiler</a:t>
+            </a:r>
+          </a:p>
+          <a:p>
+            <a:pPr lvl="1"/>
+            <a:r>
+              <a:rPr lang="en-GB" dirty="0"/>
+              <a:t>UNOS Lung organ allocation policy validation</a:t>
+            </a:r>
           </a:p>
         </p:txBody>
       </p:sp>
     </p:spTree>
+    <p:extLst>
+      <p:ext uri="{BB962C8B-B14F-4D97-AF65-F5344CB8AC3E}">
+        <p14:creationId xmlns:p14="http://schemas.microsoft.com/office/powerpoint/2010/main" val="2925097914"/>
+      </p:ext>
+    </p:extLst>
   </p:cSld>
   <p:clrMapOvr>
     <a:masterClrMapping/>
@@ -10797,7 +10908,7 @@
                                         <p:tgtEl>
                                           <p:spTgt spid="164">
                                             <p:txEl>
-                                              <p:pRg st="0" end="0"/>
+                                              <p:pRg st="1" end="1"/>
                                             </p:txEl>
                                           </p:spTgt>
                                         </p:tgtEl>
@@ -10815,7 +10926,7 @@
                                         <p:tgtEl>
                                           <p:spTgt spid="164">
                                             <p:txEl>
-                                              <p:pRg st="0" end="0"/>
+                                              <p:pRg st="1" end="1"/>
                                             </p:txEl>
                                           </p:spTgt>
                                         </p:tgtEl>
@@ -10858,7 +10969,7 @@
                                         <p:tgtEl>
                                           <p:spTgt spid="164">
                                             <p:txEl>
-                                              <p:pRg st="1" end="1"/>
+                                              <p:pRg st="0" end="0"/>
                                             </p:txEl>
                                           </p:spTgt>
                                         </p:tgtEl>
@@ -10876,7 +10987,7 @@
                                         <p:tgtEl>
                                           <p:spTgt spid="164">
                                             <p:txEl>
-                                              <p:pRg st="1" end="1"/>
+                                              <p:pRg st="0" end="0"/>
                                             </p:txEl>
                                           </p:spTgt>
                                         </p:tgtEl>
@@ -11592,6 +11703,1182 @@
   <p:cSld>
     <p:spTree>
       <p:nvGrpSpPr>
+        <p:cNvPr id="1" name="Shape 162"/>
+        <p:cNvGrpSpPr/>
+        <p:nvPr/>
+      </p:nvGrpSpPr>
+      <p:grpSpPr>
+        <a:xfrm>
+          <a:off x="0" y="0"/>
+          <a:ext cx="0" cy="0"/>
+          <a:chOff x="0" y="0"/>
+          <a:chExt cx="0" cy="0"/>
+        </a:xfrm>
+      </p:grpSpPr>
+      <p:sp>
+        <p:nvSpPr>
+          <p:cNvPr id="163" name="Google Shape;163;p24"/>
+          <p:cNvSpPr txBox="1">
+            <a:spLocks noGrp="1"/>
+          </p:cNvSpPr>
+          <p:nvPr>
+            <p:ph type="title"/>
+          </p:nvPr>
+        </p:nvSpPr>
+        <p:spPr>
+          <a:xfrm>
+            <a:off x="729450" y="1318650"/>
+            <a:ext cx="7688700" cy="535200"/>
+          </a:xfrm>
+          <a:prstGeom prst="rect">
+            <a:avLst/>
+          </a:prstGeom>
+        </p:spPr>
+        <p:txBody>
+          <a:bodyPr spcFirstLastPara="1" wrap="square" lIns="91425" tIns="91425" rIns="91425" bIns="91425" anchor="t" anchorCtr="0">
+            <a:normAutofit fontScale="90000"/>
+          </a:bodyPr>
+          <a:lstStyle/>
+          <a:p>
+            <a:pPr marL="0" lvl="0" indent="0" algn="l" rtl="0">
+              <a:spcBef>
+                <a:spcPts val="0"/>
+              </a:spcBef>
+              <a:spcAft>
+                <a:spcPts val="0"/>
+              </a:spcAft>
+              <a:buNone/>
+            </a:pPr>
+            <a:r>
+              <a:rPr lang="en"/>
+              <a:t>Discussion </a:t>
+            </a:r>
+            <a:endParaRPr/>
+          </a:p>
+        </p:txBody>
+      </p:sp>
+      <p:sp>
+        <p:nvSpPr>
+          <p:cNvPr id="164" name="Google Shape;164;p24"/>
+          <p:cNvSpPr txBox="1">
+            <a:spLocks noGrp="1"/>
+          </p:cNvSpPr>
+          <p:nvPr>
+            <p:ph type="body" idx="1"/>
+          </p:nvPr>
+        </p:nvSpPr>
+        <p:spPr>
+          <a:xfrm>
+            <a:off x="729450" y="2078875"/>
+            <a:ext cx="7688700" cy="2628000"/>
+          </a:xfrm>
+          <a:prstGeom prst="rect">
+            <a:avLst/>
+          </a:prstGeom>
+        </p:spPr>
+        <p:txBody>
+          <a:bodyPr spcFirstLastPara="1" wrap="square" lIns="91425" tIns="91425" rIns="91425" bIns="91425" anchor="t" anchorCtr="0">
+            <a:normAutofit fontScale="92500" lnSpcReduction="10000"/>
+          </a:bodyPr>
+          <a:lstStyle/>
+          <a:p>
+            <a:pPr marL="457200" lvl="0" indent="-311150" algn="l" rtl="0">
+              <a:spcBef>
+                <a:spcPts val="0"/>
+              </a:spcBef>
+              <a:spcAft>
+                <a:spcPts val="0"/>
+              </a:spcAft>
+              <a:buSzPts val="1300"/>
+              <a:buChar char="●"/>
+            </a:pPr>
+            <a:r>
+              <a:rPr lang="en"/>
+              <a:t>Results</a:t>
+            </a:r>
+            <a:endParaRPr/>
+          </a:p>
+          <a:p>
+            <a:pPr marL="914400" lvl="1" indent="-298450" algn="l" rtl="0">
+              <a:spcBef>
+                <a:spcPts val="0"/>
+              </a:spcBef>
+              <a:spcAft>
+                <a:spcPts val="0"/>
+              </a:spcAft>
+              <a:buSzPts val="1100"/>
+              <a:buChar char="○"/>
+            </a:pPr>
+            <a:r>
+              <a:rPr lang="en"/>
+              <a:t>Semi-automated (with proof support) translation recipes/strategies for:</a:t>
+            </a:r>
+            <a:endParaRPr/>
+          </a:p>
+          <a:p>
+            <a:pPr marL="1371600" lvl="2" indent="-298450" algn="l" rtl="0">
+              <a:spcBef>
+                <a:spcPts val="0"/>
+              </a:spcBef>
+              <a:spcAft>
+                <a:spcPts val="0"/>
+              </a:spcAft>
+              <a:buSzPts val="1100"/>
+              <a:buChar char="■"/>
+            </a:pPr>
+            <a:r>
+              <a:rPr lang="en"/>
+              <a:t>VDM some numeric types (nat, nat1, int)</a:t>
+            </a:r>
+            <a:endParaRPr/>
+          </a:p>
+          <a:p>
+            <a:pPr marL="1371600" lvl="2" indent="-298450" algn="l" rtl="0">
+              <a:spcBef>
+                <a:spcPts val="0"/>
+              </a:spcBef>
+              <a:spcAft>
+                <a:spcPts val="0"/>
+              </a:spcAft>
+              <a:buSzPts val="1100"/>
+              <a:buChar char="■"/>
+            </a:pPr>
+            <a:r>
+              <a:rPr lang="en"/>
+              <a:t>VDM structured types (sets, sequences, maps)</a:t>
+            </a:r>
+            <a:endParaRPr/>
+          </a:p>
+          <a:p>
+            <a:pPr marL="914400" lvl="1" indent="-298450" algn="l" rtl="0">
+              <a:spcBef>
+                <a:spcPts val="0"/>
+              </a:spcBef>
+              <a:spcAft>
+                <a:spcPts val="0"/>
+              </a:spcAft>
+              <a:buSzPts val="1100"/>
+              <a:buChar char="○"/>
+            </a:pPr>
+            <a:r>
+              <a:rPr lang="en"/>
+              <a:t>Automation caters for most common VDM recursive situations</a:t>
+            </a:r>
+            <a:endParaRPr/>
+          </a:p>
+          <a:p>
+            <a:pPr marL="1371600" lvl="2" indent="-298450" algn="l" rtl="0">
+              <a:spcBef>
+                <a:spcPts val="0"/>
+              </a:spcBef>
+              <a:spcAft>
+                <a:spcPts val="0"/>
+              </a:spcAft>
+              <a:buSzPts val="1100"/>
+              <a:buChar char="■"/>
+            </a:pPr>
+            <a:r>
+              <a:rPr lang="en"/>
+              <a:t>Decreasing nat/int, set (or map domain), sequence</a:t>
+            </a:r>
+            <a:endParaRPr/>
+          </a:p>
+          <a:p>
+            <a:pPr marL="457200" lvl="0" indent="-311150" algn="l" rtl="0">
+              <a:spcBef>
+                <a:spcPts val="1000"/>
+              </a:spcBef>
+              <a:spcAft>
+                <a:spcPts val="0"/>
+              </a:spcAft>
+              <a:buSzPts val="1300"/>
+              <a:buChar char="●"/>
+            </a:pPr>
+            <a:r>
+              <a:rPr lang="en"/>
+              <a:t>Limitations</a:t>
+            </a:r>
+            <a:endParaRPr/>
+          </a:p>
+          <a:p>
+            <a:pPr marL="914400" lvl="1" indent="-298450" algn="l" rtl="0">
+              <a:spcBef>
+                <a:spcPts val="0"/>
+              </a:spcBef>
+              <a:spcAft>
+                <a:spcPts val="0"/>
+              </a:spcAft>
+              <a:buSzPts val="1100"/>
+              <a:buChar char="○"/>
+            </a:pPr>
+            <a:r>
+              <a:rPr lang="en"/>
+              <a:t>Recursive VDM types (e.g. VDM records for say linked lists)</a:t>
+            </a:r>
+            <a:endParaRPr/>
+          </a:p>
+          <a:p>
+            <a:pPr marL="914400" lvl="1" indent="-298450" algn="l" rtl="0">
+              <a:spcBef>
+                <a:spcPts val="0"/>
+              </a:spcBef>
+              <a:spcAft>
+                <a:spcPts val="0"/>
+              </a:spcAft>
+              <a:buSzPts val="1100"/>
+              <a:buChar char="○"/>
+            </a:pPr>
+            <a:r>
+              <a:rPr lang="en"/>
+              <a:t>General upper bound for inferred recursive relations works for </a:t>
+            </a:r>
+            <a:r>
+              <a:rPr lang="en">
+                <a:latin typeface="Consolas"/>
+                <a:ea typeface="Consolas"/>
+                <a:cs typeface="Consolas"/>
+                <a:sym typeface="Consolas"/>
+              </a:rPr>
+              <a:t>nat</a:t>
+            </a:r>
+            <a:r>
+              <a:rPr lang="en"/>
+              <a:t>, </a:t>
+            </a:r>
+            <a:r>
+              <a:rPr lang="en">
+                <a:latin typeface="Consolas"/>
+                <a:ea typeface="Consolas"/>
+                <a:cs typeface="Consolas"/>
+                <a:sym typeface="Consolas"/>
+              </a:rPr>
+              <a:t>int</a:t>
+            </a:r>
+            <a:r>
+              <a:rPr lang="en"/>
+              <a:t> and (simple) </a:t>
+            </a:r>
+            <a:r>
+              <a:rPr lang="en">
+                <a:latin typeface="Consolas"/>
+                <a:ea typeface="Consolas"/>
+                <a:cs typeface="Consolas"/>
+                <a:sym typeface="Consolas"/>
+              </a:rPr>
+              <a:t>sets</a:t>
+            </a:r>
+            <a:r>
+              <a:rPr lang="en"/>
+              <a:t> only.</a:t>
+            </a:r>
+            <a:endParaRPr/>
+          </a:p>
+          <a:p>
+            <a:pPr marL="457200" lvl="0" indent="-311150" algn="l" rtl="0">
+              <a:spcBef>
+                <a:spcPts val="1000"/>
+              </a:spcBef>
+              <a:spcAft>
+                <a:spcPts val="0"/>
+              </a:spcAft>
+              <a:buSzPts val="1300"/>
+              <a:buChar char="●"/>
+            </a:pPr>
+            <a:r>
+              <a:rPr lang="en"/>
+              <a:t>Complexities (e.g.  will require user-defined auxiliary lemmas and their proofs)</a:t>
+            </a:r>
+            <a:endParaRPr/>
+          </a:p>
+          <a:p>
+            <a:pPr marL="914400" lvl="1" indent="-298450" algn="l" rtl="0">
+              <a:spcBef>
+                <a:spcPts val="0"/>
+              </a:spcBef>
+              <a:spcAft>
+                <a:spcPts val="0"/>
+              </a:spcAft>
+              <a:buSzPts val="1100"/>
+              <a:buChar char="○"/>
+            </a:pPr>
+            <a:r>
+              <a:rPr lang="en"/>
+              <a:t>Recursion over user-defined types</a:t>
+            </a:r>
+            <a:endParaRPr/>
+          </a:p>
+          <a:p>
+            <a:pPr marL="914400" lvl="1" indent="-298450" algn="l" rtl="0">
+              <a:spcBef>
+                <a:spcPts val="0"/>
+              </a:spcBef>
+              <a:spcAft>
+                <a:spcPts val="0"/>
+              </a:spcAft>
+              <a:buSzPts val="1100"/>
+              <a:buChar char="○"/>
+            </a:pPr>
+            <a:r>
+              <a:rPr lang="en"/>
+              <a:t>Recursion where recursive relation is outside predefined space</a:t>
+            </a:r>
+            <a:endParaRPr/>
+          </a:p>
+          <a:p>
+            <a:pPr marL="914400" lvl="1" indent="-298450" algn="l" rtl="0">
+              <a:spcBef>
+                <a:spcPts val="0"/>
+              </a:spcBef>
+              <a:spcAft>
+                <a:spcPts val="0"/>
+              </a:spcAft>
+              <a:buSzPts val="1100"/>
+              <a:buChar char="○"/>
+            </a:pPr>
+            <a:r>
+              <a:rPr lang="en"/>
+              <a:t>Mutual recursion will necessitate handling Isabelle union types</a:t>
+            </a:r>
+            <a:endParaRPr/>
+          </a:p>
+        </p:txBody>
+      </p:sp>
+    </p:spTree>
+  </p:cSld>
+  <p:clrMapOvr>
+    <a:masterClrMapping/>
+  </p:clrMapOvr>
+  <p:timing>
+    <p:tnLst>
+      <p:par>
+        <p:cTn id="1" dur="indefinite" restart="never" nodeType="tmRoot">
+          <p:childTnLst>
+            <p:seq concurrent="1" nextAc="seek">
+              <p:cTn id="2" dur="indefinite" nodeType="mainSeq">
+                <p:childTnLst>
+                  <p:par>
+                    <p:cTn id="3" fill="hold">
+                      <p:stCondLst>
+                        <p:cond delay="indefinite"/>
+                      </p:stCondLst>
+                      <p:childTnLst>
+                        <p:par>
+                          <p:cTn id="4" fill="hold">
+                            <p:stCondLst>
+                              <p:cond delay="0"/>
+                            </p:stCondLst>
+                            <p:childTnLst>
+                              <p:par>
+                                <p:cTn id="5" presetID="10" presetClass="entr" presetSubtype="0" fill="hold" nodeType="clickEffect">
+                                  <p:stCondLst>
+                                    <p:cond delay="0"/>
+                                  </p:stCondLst>
+                                  <p:childTnLst>
+                                    <p:set>
+                                      <p:cBhvr>
+                                        <p:cTn id="6" dur="1" fill="hold">
+                                          <p:stCondLst>
+                                            <p:cond delay="0"/>
+                                          </p:stCondLst>
+                                        </p:cTn>
+                                        <p:tgtEl>
+                                          <p:spTgt spid="164">
+                                            <p:txEl>
+                                              <p:pRg st="0" end="0"/>
+                                            </p:txEl>
+                                          </p:spTgt>
+                                        </p:tgtEl>
+                                        <p:attrNameLst>
+                                          <p:attrName>style.visibility</p:attrName>
+                                        </p:attrNameLst>
+                                      </p:cBhvr>
+                                      <p:to>
+                                        <p:strVal val="visible"/>
+                                      </p:to>
+                                    </p:set>
+                                    <p:animEffect transition="in" filter="fade">
+                                      <p:cBhvr>
+                                        <p:cTn id="7" dur="1"/>
+                                        <p:tgtEl>
+                                          <p:spTgt spid="164">
+                                            <p:txEl>
+                                              <p:pRg st="0" end="0"/>
+                                            </p:txEl>
+                                          </p:spTgt>
+                                        </p:tgtEl>
+                                      </p:cBhvr>
+                                    </p:animEffect>
+                                  </p:childTnLst>
+                                </p:cTn>
+                              </p:par>
+                            </p:childTnLst>
+                          </p:cTn>
+                        </p:par>
+                      </p:childTnLst>
+                    </p:cTn>
+                  </p:par>
+                  <p:par>
+                    <p:cTn id="8" fill="hold">
+                      <p:stCondLst>
+                        <p:cond delay="indefinite"/>
+                      </p:stCondLst>
+                      <p:childTnLst>
+                        <p:par>
+                          <p:cTn id="9" fill="hold">
+                            <p:stCondLst>
+                              <p:cond delay="0"/>
+                            </p:stCondLst>
+                            <p:childTnLst>
+                              <p:par>
+                                <p:cTn id="10" presetID="10" presetClass="entr" presetSubtype="0" fill="hold" nodeType="clickEffect">
+                                  <p:stCondLst>
+                                    <p:cond delay="0"/>
+                                  </p:stCondLst>
+                                  <p:childTnLst>
+                                    <p:set>
+                                      <p:cBhvr>
+                                        <p:cTn id="11" dur="1" fill="hold">
+                                          <p:stCondLst>
+                                            <p:cond delay="0"/>
+                                          </p:stCondLst>
+                                        </p:cTn>
+                                        <p:tgtEl>
+                                          <p:spTgt spid="164">
+                                            <p:txEl>
+                                              <p:pRg st="1" end="1"/>
+                                            </p:txEl>
+                                          </p:spTgt>
+                                        </p:tgtEl>
+                                        <p:attrNameLst>
+                                          <p:attrName>style.visibility</p:attrName>
+                                        </p:attrNameLst>
+                                      </p:cBhvr>
+                                      <p:to>
+                                        <p:strVal val="visible"/>
+                                      </p:to>
+                                    </p:set>
+                                    <p:animEffect transition="in" filter="fade">
+                                      <p:cBhvr>
+                                        <p:cTn id="12" dur="1"/>
+                                        <p:tgtEl>
+                                          <p:spTgt spid="164">
+                                            <p:txEl>
+                                              <p:pRg st="1" end="1"/>
+                                            </p:txEl>
+                                          </p:spTgt>
+                                        </p:tgtEl>
+                                      </p:cBhvr>
+                                    </p:animEffect>
+                                  </p:childTnLst>
+                                </p:cTn>
+                              </p:par>
+                            </p:childTnLst>
+                          </p:cTn>
+                        </p:par>
+                      </p:childTnLst>
+                    </p:cTn>
+                  </p:par>
+                  <p:par>
+                    <p:cTn id="13" fill="hold">
+                      <p:stCondLst>
+                        <p:cond delay="indefinite"/>
+                      </p:stCondLst>
+                      <p:childTnLst>
+                        <p:par>
+                          <p:cTn id="14" fill="hold">
+                            <p:stCondLst>
+                              <p:cond delay="0"/>
+                            </p:stCondLst>
+                            <p:childTnLst>
+                              <p:par>
+                                <p:cTn id="15" presetID="10" presetClass="entr" presetSubtype="0" fill="hold" nodeType="clickEffect">
+                                  <p:stCondLst>
+                                    <p:cond delay="0"/>
+                                  </p:stCondLst>
+                                  <p:childTnLst>
+                                    <p:set>
+                                      <p:cBhvr>
+                                        <p:cTn id="16" dur="1" fill="hold">
+                                          <p:stCondLst>
+                                            <p:cond delay="0"/>
+                                          </p:stCondLst>
+                                        </p:cTn>
+                                        <p:tgtEl>
+                                          <p:spTgt spid="164">
+                                            <p:txEl>
+                                              <p:pRg st="2" end="2"/>
+                                            </p:txEl>
+                                          </p:spTgt>
+                                        </p:tgtEl>
+                                        <p:attrNameLst>
+                                          <p:attrName>style.visibility</p:attrName>
+                                        </p:attrNameLst>
+                                      </p:cBhvr>
+                                      <p:to>
+                                        <p:strVal val="visible"/>
+                                      </p:to>
+                                    </p:set>
+                                    <p:animEffect transition="in" filter="fade">
+                                      <p:cBhvr>
+                                        <p:cTn id="17" dur="1"/>
+                                        <p:tgtEl>
+                                          <p:spTgt spid="164">
+                                            <p:txEl>
+                                              <p:pRg st="2" end="2"/>
+                                            </p:txEl>
+                                          </p:spTgt>
+                                        </p:tgtEl>
+                                      </p:cBhvr>
+                                    </p:animEffect>
+                                  </p:childTnLst>
+                                </p:cTn>
+                              </p:par>
+                            </p:childTnLst>
+                          </p:cTn>
+                        </p:par>
+                      </p:childTnLst>
+                    </p:cTn>
+                  </p:par>
+                  <p:par>
+                    <p:cTn id="18" fill="hold">
+                      <p:stCondLst>
+                        <p:cond delay="indefinite"/>
+                      </p:stCondLst>
+                      <p:childTnLst>
+                        <p:par>
+                          <p:cTn id="19" fill="hold">
+                            <p:stCondLst>
+                              <p:cond delay="0"/>
+                            </p:stCondLst>
+                            <p:childTnLst>
+                              <p:par>
+                                <p:cTn id="20" presetID="10" presetClass="entr" presetSubtype="0" fill="hold" nodeType="clickEffect">
+                                  <p:stCondLst>
+                                    <p:cond delay="0"/>
+                                  </p:stCondLst>
+                                  <p:childTnLst>
+                                    <p:set>
+                                      <p:cBhvr>
+                                        <p:cTn id="21" dur="1" fill="hold">
+                                          <p:stCondLst>
+                                            <p:cond delay="0"/>
+                                          </p:stCondLst>
+                                        </p:cTn>
+                                        <p:tgtEl>
+                                          <p:spTgt spid="164">
+                                            <p:txEl>
+                                              <p:pRg st="3" end="3"/>
+                                            </p:txEl>
+                                          </p:spTgt>
+                                        </p:tgtEl>
+                                        <p:attrNameLst>
+                                          <p:attrName>style.visibility</p:attrName>
+                                        </p:attrNameLst>
+                                      </p:cBhvr>
+                                      <p:to>
+                                        <p:strVal val="visible"/>
+                                      </p:to>
+                                    </p:set>
+                                    <p:animEffect transition="in" filter="fade">
+                                      <p:cBhvr>
+                                        <p:cTn id="22" dur="1"/>
+                                        <p:tgtEl>
+                                          <p:spTgt spid="164">
+                                            <p:txEl>
+                                              <p:pRg st="3" end="3"/>
+                                            </p:txEl>
+                                          </p:spTgt>
+                                        </p:tgtEl>
+                                      </p:cBhvr>
+                                    </p:animEffect>
+                                  </p:childTnLst>
+                                </p:cTn>
+                              </p:par>
+                            </p:childTnLst>
+                          </p:cTn>
+                        </p:par>
+                      </p:childTnLst>
+                    </p:cTn>
+                  </p:par>
+                  <p:par>
+                    <p:cTn id="23" fill="hold">
+                      <p:stCondLst>
+                        <p:cond delay="indefinite"/>
+                      </p:stCondLst>
+                      <p:childTnLst>
+                        <p:par>
+                          <p:cTn id="24" fill="hold">
+                            <p:stCondLst>
+                              <p:cond delay="0"/>
+                            </p:stCondLst>
+                            <p:childTnLst>
+                              <p:par>
+                                <p:cTn id="25" presetID="10" presetClass="entr" presetSubtype="0" fill="hold" nodeType="clickEffect">
+                                  <p:stCondLst>
+                                    <p:cond delay="0"/>
+                                  </p:stCondLst>
+                                  <p:childTnLst>
+                                    <p:set>
+                                      <p:cBhvr>
+                                        <p:cTn id="26" dur="1" fill="hold">
+                                          <p:stCondLst>
+                                            <p:cond delay="0"/>
+                                          </p:stCondLst>
+                                        </p:cTn>
+                                        <p:tgtEl>
+                                          <p:spTgt spid="164">
+                                            <p:txEl>
+                                              <p:pRg st="4" end="4"/>
+                                            </p:txEl>
+                                          </p:spTgt>
+                                        </p:tgtEl>
+                                        <p:attrNameLst>
+                                          <p:attrName>style.visibility</p:attrName>
+                                        </p:attrNameLst>
+                                      </p:cBhvr>
+                                      <p:to>
+                                        <p:strVal val="visible"/>
+                                      </p:to>
+                                    </p:set>
+                                    <p:animEffect transition="in" filter="fade">
+                                      <p:cBhvr>
+                                        <p:cTn id="27" dur="1"/>
+                                        <p:tgtEl>
+                                          <p:spTgt spid="164">
+                                            <p:txEl>
+                                              <p:pRg st="4" end="4"/>
+                                            </p:txEl>
+                                          </p:spTgt>
+                                        </p:tgtEl>
+                                      </p:cBhvr>
+                                    </p:animEffect>
+                                  </p:childTnLst>
+                                </p:cTn>
+                              </p:par>
+                            </p:childTnLst>
+                          </p:cTn>
+                        </p:par>
+                      </p:childTnLst>
+                    </p:cTn>
+                  </p:par>
+                  <p:par>
+                    <p:cTn id="28" fill="hold">
+                      <p:stCondLst>
+                        <p:cond delay="indefinite"/>
+                      </p:stCondLst>
+                      <p:childTnLst>
+                        <p:par>
+                          <p:cTn id="29" fill="hold">
+                            <p:stCondLst>
+                              <p:cond delay="0"/>
+                            </p:stCondLst>
+                            <p:childTnLst>
+                              <p:par>
+                                <p:cTn id="30" presetID="10" presetClass="entr" presetSubtype="0" fill="hold" nodeType="clickEffect">
+                                  <p:stCondLst>
+                                    <p:cond delay="0"/>
+                                  </p:stCondLst>
+                                  <p:childTnLst>
+                                    <p:set>
+                                      <p:cBhvr>
+                                        <p:cTn id="31" dur="1" fill="hold">
+                                          <p:stCondLst>
+                                            <p:cond delay="0"/>
+                                          </p:stCondLst>
+                                        </p:cTn>
+                                        <p:tgtEl>
+                                          <p:spTgt spid="164">
+                                            <p:txEl>
+                                              <p:pRg st="5" end="5"/>
+                                            </p:txEl>
+                                          </p:spTgt>
+                                        </p:tgtEl>
+                                        <p:attrNameLst>
+                                          <p:attrName>style.visibility</p:attrName>
+                                        </p:attrNameLst>
+                                      </p:cBhvr>
+                                      <p:to>
+                                        <p:strVal val="visible"/>
+                                      </p:to>
+                                    </p:set>
+                                    <p:animEffect transition="in" filter="fade">
+                                      <p:cBhvr>
+                                        <p:cTn id="32" dur="1"/>
+                                        <p:tgtEl>
+                                          <p:spTgt spid="164">
+                                            <p:txEl>
+                                              <p:pRg st="5" end="5"/>
+                                            </p:txEl>
+                                          </p:spTgt>
+                                        </p:tgtEl>
+                                      </p:cBhvr>
+                                    </p:animEffect>
+                                  </p:childTnLst>
+                                </p:cTn>
+                              </p:par>
+                            </p:childTnLst>
+                          </p:cTn>
+                        </p:par>
+                      </p:childTnLst>
+                    </p:cTn>
+                  </p:par>
+                  <p:par>
+                    <p:cTn id="33" fill="hold">
+                      <p:stCondLst>
+                        <p:cond delay="indefinite"/>
+                      </p:stCondLst>
+                      <p:childTnLst>
+                        <p:par>
+                          <p:cTn id="34" fill="hold">
+                            <p:stCondLst>
+                              <p:cond delay="0"/>
+                            </p:stCondLst>
+                            <p:childTnLst>
+                              <p:par>
+                                <p:cTn id="35" presetID="10" presetClass="entr" presetSubtype="0" fill="hold" nodeType="clickEffect">
+                                  <p:stCondLst>
+                                    <p:cond delay="0"/>
+                                  </p:stCondLst>
+                                  <p:childTnLst>
+                                    <p:set>
+                                      <p:cBhvr>
+                                        <p:cTn id="36" dur="1" fill="hold">
+                                          <p:stCondLst>
+                                            <p:cond delay="0"/>
+                                          </p:stCondLst>
+                                        </p:cTn>
+                                        <p:tgtEl>
+                                          <p:spTgt spid="164">
+                                            <p:txEl>
+                                              <p:pRg st="6" end="6"/>
+                                            </p:txEl>
+                                          </p:spTgt>
+                                        </p:tgtEl>
+                                        <p:attrNameLst>
+                                          <p:attrName>style.visibility</p:attrName>
+                                        </p:attrNameLst>
+                                      </p:cBhvr>
+                                      <p:to>
+                                        <p:strVal val="visible"/>
+                                      </p:to>
+                                    </p:set>
+                                    <p:animEffect transition="in" filter="fade">
+                                      <p:cBhvr>
+                                        <p:cTn id="37" dur="1"/>
+                                        <p:tgtEl>
+                                          <p:spTgt spid="164">
+                                            <p:txEl>
+                                              <p:pRg st="6" end="6"/>
+                                            </p:txEl>
+                                          </p:spTgt>
+                                        </p:tgtEl>
+                                      </p:cBhvr>
+                                    </p:animEffect>
+                                  </p:childTnLst>
+                                </p:cTn>
+                              </p:par>
+                            </p:childTnLst>
+                          </p:cTn>
+                        </p:par>
+                      </p:childTnLst>
+                    </p:cTn>
+                  </p:par>
+                  <p:par>
+                    <p:cTn id="38" fill="hold">
+                      <p:stCondLst>
+                        <p:cond delay="indefinite"/>
+                      </p:stCondLst>
+                      <p:childTnLst>
+                        <p:par>
+                          <p:cTn id="39" fill="hold">
+                            <p:stCondLst>
+                              <p:cond delay="0"/>
+                            </p:stCondLst>
+                            <p:childTnLst>
+                              <p:par>
+                                <p:cTn id="40" presetID="10" presetClass="entr" presetSubtype="0" fill="hold" nodeType="clickEffect">
+                                  <p:stCondLst>
+                                    <p:cond delay="0"/>
+                                  </p:stCondLst>
+                                  <p:childTnLst>
+                                    <p:set>
+                                      <p:cBhvr>
+                                        <p:cTn id="41" dur="1" fill="hold">
+                                          <p:stCondLst>
+                                            <p:cond delay="0"/>
+                                          </p:stCondLst>
+                                        </p:cTn>
+                                        <p:tgtEl>
+                                          <p:spTgt spid="164">
+                                            <p:txEl>
+                                              <p:pRg st="7" end="7"/>
+                                            </p:txEl>
+                                          </p:spTgt>
+                                        </p:tgtEl>
+                                        <p:attrNameLst>
+                                          <p:attrName>style.visibility</p:attrName>
+                                        </p:attrNameLst>
+                                      </p:cBhvr>
+                                      <p:to>
+                                        <p:strVal val="visible"/>
+                                      </p:to>
+                                    </p:set>
+                                    <p:animEffect transition="in" filter="fade">
+                                      <p:cBhvr>
+                                        <p:cTn id="42" dur="1"/>
+                                        <p:tgtEl>
+                                          <p:spTgt spid="164">
+                                            <p:txEl>
+                                              <p:pRg st="7" end="7"/>
+                                            </p:txEl>
+                                          </p:spTgt>
+                                        </p:tgtEl>
+                                      </p:cBhvr>
+                                    </p:animEffect>
+                                  </p:childTnLst>
+                                </p:cTn>
+                              </p:par>
+                            </p:childTnLst>
+                          </p:cTn>
+                        </p:par>
+                      </p:childTnLst>
+                    </p:cTn>
+                  </p:par>
+                  <p:par>
+                    <p:cTn id="43" fill="hold">
+                      <p:stCondLst>
+                        <p:cond delay="indefinite"/>
+                      </p:stCondLst>
+                      <p:childTnLst>
+                        <p:par>
+                          <p:cTn id="44" fill="hold">
+                            <p:stCondLst>
+                              <p:cond delay="0"/>
+                            </p:stCondLst>
+                            <p:childTnLst>
+                              <p:par>
+                                <p:cTn id="45" presetID="10" presetClass="entr" presetSubtype="0" fill="hold" nodeType="clickEffect">
+                                  <p:stCondLst>
+                                    <p:cond delay="0"/>
+                                  </p:stCondLst>
+                                  <p:childTnLst>
+                                    <p:set>
+                                      <p:cBhvr>
+                                        <p:cTn id="46" dur="1" fill="hold">
+                                          <p:stCondLst>
+                                            <p:cond delay="0"/>
+                                          </p:stCondLst>
+                                        </p:cTn>
+                                        <p:tgtEl>
+                                          <p:spTgt spid="164">
+                                            <p:txEl>
+                                              <p:pRg st="8" end="8"/>
+                                            </p:txEl>
+                                          </p:spTgt>
+                                        </p:tgtEl>
+                                        <p:attrNameLst>
+                                          <p:attrName>style.visibility</p:attrName>
+                                        </p:attrNameLst>
+                                      </p:cBhvr>
+                                      <p:to>
+                                        <p:strVal val="visible"/>
+                                      </p:to>
+                                    </p:set>
+                                    <p:animEffect transition="in" filter="fade">
+                                      <p:cBhvr>
+                                        <p:cTn id="47" dur="1"/>
+                                        <p:tgtEl>
+                                          <p:spTgt spid="164">
+                                            <p:txEl>
+                                              <p:pRg st="8" end="8"/>
+                                            </p:txEl>
+                                          </p:spTgt>
+                                        </p:tgtEl>
+                                      </p:cBhvr>
+                                    </p:animEffect>
+                                  </p:childTnLst>
+                                </p:cTn>
+                              </p:par>
+                            </p:childTnLst>
+                          </p:cTn>
+                        </p:par>
+                      </p:childTnLst>
+                    </p:cTn>
+                  </p:par>
+                  <p:par>
+                    <p:cTn id="48" fill="hold">
+                      <p:stCondLst>
+                        <p:cond delay="indefinite"/>
+                      </p:stCondLst>
+                      <p:childTnLst>
+                        <p:par>
+                          <p:cTn id="49" fill="hold">
+                            <p:stCondLst>
+                              <p:cond delay="0"/>
+                            </p:stCondLst>
+                            <p:childTnLst>
+                              <p:par>
+                                <p:cTn id="50" presetID="10" presetClass="entr" presetSubtype="0" fill="hold" nodeType="clickEffect">
+                                  <p:stCondLst>
+                                    <p:cond delay="0"/>
+                                  </p:stCondLst>
+                                  <p:childTnLst>
+                                    <p:set>
+                                      <p:cBhvr>
+                                        <p:cTn id="51" dur="1" fill="hold">
+                                          <p:stCondLst>
+                                            <p:cond delay="0"/>
+                                          </p:stCondLst>
+                                        </p:cTn>
+                                        <p:tgtEl>
+                                          <p:spTgt spid="164">
+                                            <p:txEl>
+                                              <p:pRg st="9" end="9"/>
+                                            </p:txEl>
+                                          </p:spTgt>
+                                        </p:tgtEl>
+                                        <p:attrNameLst>
+                                          <p:attrName>style.visibility</p:attrName>
+                                        </p:attrNameLst>
+                                      </p:cBhvr>
+                                      <p:to>
+                                        <p:strVal val="visible"/>
+                                      </p:to>
+                                    </p:set>
+                                    <p:animEffect transition="in" filter="fade">
+                                      <p:cBhvr>
+                                        <p:cTn id="52" dur="1"/>
+                                        <p:tgtEl>
+                                          <p:spTgt spid="164">
+                                            <p:txEl>
+                                              <p:pRg st="9" end="9"/>
+                                            </p:txEl>
+                                          </p:spTgt>
+                                        </p:tgtEl>
+                                      </p:cBhvr>
+                                    </p:animEffect>
+                                  </p:childTnLst>
+                                </p:cTn>
+                              </p:par>
+                            </p:childTnLst>
+                          </p:cTn>
+                        </p:par>
+                      </p:childTnLst>
+                    </p:cTn>
+                  </p:par>
+                  <p:par>
+                    <p:cTn id="53" fill="hold">
+                      <p:stCondLst>
+                        <p:cond delay="indefinite"/>
+                      </p:stCondLst>
+                      <p:childTnLst>
+                        <p:par>
+                          <p:cTn id="54" fill="hold">
+                            <p:stCondLst>
+                              <p:cond delay="0"/>
+                            </p:stCondLst>
+                            <p:childTnLst>
+                              <p:par>
+                                <p:cTn id="55" presetID="10" presetClass="entr" presetSubtype="0" fill="hold" nodeType="clickEffect">
+                                  <p:stCondLst>
+                                    <p:cond delay="0"/>
+                                  </p:stCondLst>
+                                  <p:childTnLst>
+                                    <p:set>
+                                      <p:cBhvr>
+                                        <p:cTn id="56" dur="1" fill="hold">
+                                          <p:stCondLst>
+                                            <p:cond delay="0"/>
+                                          </p:stCondLst>
+                                        </p:cTn>
+                                        <p:tgtEl>
+                                          <p:spTgt spid="164">
+                                            <p:txEl>
+                                              <p:pRg st="10" end="10"/>
+                                            </p:txEl>
+                                          </p:spTgt>
+                                        </p:tgtEl>
+                                        <p:attrNameLst>
+                                          <p:attrName>style.visibility</p:attrName>
+                                        </p:attrNameLst>
+                                      </p:cBhvr>
+                                      <p:to>
+                                        <p:strVal val="visible"/>
+                                      </p:to>
+                                    </p:set>
+                                    <p:animEffect transition="in" filter="fade">
+                                      <p:cBhvr>
+                                        <p:cTn id="57" dur="1"/>
+                                        <p:tgtEl>
+                                          <p:spTgt spid="164">
+                                            <p:txEl>
+                                              <p:pRg st="10" end="10"/>
+                                            </p:txEl>
+                                          </p:spTgt>
+                                        </p:tgtEl>
+                                      </p:cBhvr>
+                                    </p:animEffect>
+                                  </p:childTnLst>
+                                </p:cTn>
+                              </p:par>
+                            </p:childTnLst>
+                          </p:cTn>
+                        </p:par>
+                      </p:childTnLst>
+                    </p:cTn>
+                  </p:par>
+                  <p:par>
+                    <p:cTn id="58" fill="hold">
+                      <p:stCondLst>
+                        <p:cond delay="indefinite"/>
+                      </p:stCondLst>
+                      <p:childTnLst>
+                        <p:par>
+                          <p:cTn id="59" fill="hold">
+                            <p:stCondLst>
+                              <p:cond delay="0"/>
+                            </p:stCondLst>
+                            <p:childTnLst>
+                              <p:par>
+                                <p:cTn id="60" presetID="10" presetClass="entr" presetSubtype="0" fill="hold" nodeType="clickEffect">
+                                  <p:stCondLst>
+                                    <p:cond delay="0"/>
+                                  </p:stCondLst>
+                                  <p:childTnLst>
+                                    <p:set>
+                                      <p:cBhvr>
+                                        <p:cTn id="61" dur="1" fill="hold">
+                                          <p:stCondLst>
+                                            <p:cond delay="0"/>
+                                          </p:stCondLst>
+                                        </p:cTn>
+                                        <p:tgtEl>
+                                          <p:spTgt spid="164">
+                                            <p:txEl>
+                                              <p:pRg st="11" end="11"/>
+                                            </p:txEl>
+                                          </p:spTgt>
+                                        </p:tgtEl>
+                                        <p:attrNameLst>
+                                          <p:attrName>style.visibility</p:attrName>
+                                        </p:attrNameLst>
+                                      </p:cBhvr>
+                                      <p:to>
+                                        <p:strVal val="visible"/>
+                                      </p:to>
+                                    </p:set>
+                                    <p:animEffect transition="in" filter="fade">
+                                      <p:cBhvr>
+                                        <p:cTn id="62" dur="1"/>
+                                        <p:tgtEl>
+                                          <p:spTgt spid="164">
+                                            <p:txEl>
+                                              <p:pRg st="11" end="11"/>
+                                            </p:txEl>
+                                          </p:spTgt>
+                                        </p:tgtEl>
+                                      </p:cBhvr>
+                                    </p:animEffect>
+                                  </p:childTnLst>
+                                </p:cTn>
+                              </p:par>
+                            </p:childTnLst>
+                          </p:cTn>
+                        </p:par>
+                      </p:childTnLst>
+                    </p:cTn>
+                  </p:par>
+                  <p:par>
+                    <p:cTn id="63" fill="hold">
+                      <p:stCondLst>
+                        <p:cond delay="indefinite"/>
+                      </p:stCondLst>
+                      <p:childTnLst>
+                        <p:par>
+                          <p:cTn id="64" fill="hold">
+                            <p:stCondLst>
+                              <p:cond delay="0"/>
+                            </p:stCondLst>
+                            <p:childTnLst>
+                              <p:par>
+                                <p:cTn id="65" presetID="10" presetClass="entr" presetSubtype="0" fill="hold" nodeType="clickEffect">
+                                  <p:stCondLst>
+                                    <p:cond delay="0"/>
+                                  </p:stCondLst>
+                                  <p:childTnLst>
+                                    <p:set>
+                                      <p:cBhvr>
+                                        <p:cTn id="66" dur="1" fill="hold">
+                                          <p:stCondLst>
+                                            <p:cond delay="0"/>
+                                          </p:stCondLst>
+                                        </p:cTn>
+                                        <p:tgtEl>
+                                          <p:spTgt spid="164">
+                                            <p:txEl>
+                                              <p:pRg st="12" end="12"/>
+                                            </p:txEl>
+                                          </p:spTgt>
+                                        </p:tgtEl>
+                                        <p:attrNameLst>
+                                          <p:attrName>style.visibility</p:attrName>
+                                        </p:attrNameLst>
+                                      </p:cBhvr>
+                                      <p:to>
+                                        <p:strVal val="visible"/>
+                                      </p:to>
+                                    </p:set>
+                                    <p:animEffect transition="in" filter="fade">
+                                      <p:cBhvr>
+                                        <p:cTn id="67" dur="1"/>
+                                        <p:tgtEl>
+                                          <p:spTgt spid="164">
+                                            <p:txEl>
+                                              <p:pRg st="12" end="12"/>
+                                            </p:txEl>
+                                          </p:spTgt>
+                                        </p:tgtEl>
+                                      </p:cBhvr>
+                                    </p:animEffect>
+                                  </p:childTnLst>
+                                </p:cTn>
+                              </p:par>
+                            </p:childTnLst>
+                          </p:cTn>
+                        </p:par>
+                      </p:childTnLst>
+                    </p:cTn>
+                  </p:par>
+                </p:childTnLst>
+              </p:cTn>
+              <p:prevCondLst>
+                <p:cond evt="onPrev" delay="0">
+                  <p:tgtEl>
+                    <p:sldTgt/>
+                  </p:tgtEl>
+                </p:cond>
+              </p:prevCondLst>
+              <p:nextCondLst>
+                <p:cond evt="onNext" delay="0">
+                  <p:tgtEl>
+                    <p:sldTgt/>
+                  </p:tgtEl>
+                </p:cond>
+              </p:nextCondLst>
+            </p:seq>
+          </p:childTnLst>
+        </p:cTn>
+      </p:par>
+    </p:tnLst>
+  </p:timing>
+</p:sld>
+</file>
+
+<file path=ppt/slides/slide14.xml><?xml version="1.0" encoding="utf-8"?>
+<p:sld xmlns:a="http://schemas.openxmlformats.org/drawingml/2006/main" xmlns:r="http://schemas.openxmlformats.org/officeDocument/2006/relationships" xmlns:p="http://schemas.openxmlformats.org/presentationml/2006/main">
+  <p:cSld>
+    <p:spTree>
+      <p:nvGrpSpPr>
         <p:cNvPr id="1" name="Shape 168"/>
         <p:cNvGrpSpPr/>
         <p:nvPr/>
@@ -11820,7 +13107,7 @@
               <a:buChar char="○"/>
             </a:pPr>
             <a:r>
-              <a:rPr lang="en" sz="1200"/>
+              <a:rPr lang="en" sz="1200" dirty="0"/>
               <a:t>????</a:t>
             </a:r>
             <a:endParaRPr sz="1200" dirty="0"/>

--- a/plugins/vdm2isa/pub/recursion/talk/VDM recursion in Isabelle_HOL (Overture 2023).pptx
+++ b/plugins/vdm2isa/pub/recursion/talk/VDM recursion in Isabelle_HOL (Overture 2023).pptx
@@ -14108,10 +14108,18 @@
               <a:buAutoNum type="arabicPeriod"/>
             </a:pPr>
             <a:r>
-              <a:rPr lang="en"/>
-              <a:t>Maharaj &amp; Bicarregui (shallow) embedding of VDM in PVS (1998)</a:t>
-            </a:r>
-            <a:endParaRPr/>
+              <a:rPr lang="en" dirty="0"/>
+              <a:t>Maharaj &amp; </a:t>
+            </a:r>
+            <a:r>
+              <a:rPr lang="en" dirty="0" err="1"/>
+              <a:t>Bicarregui</a:t>
+            </a:r>
+            <a:r>
+              <a:rPr lang="en" dirty="0"/>
+              <a:t> (shallow) embedding of VDM in PVS (1998)</a:t>
+            </a:r>
+            <a:endParaRPr dirty="0"/>
           </a:p>
           <a:p>
             <a:pPr marL="914400" lvl="1" indent="-277177" algn="l" rtl="0">
@@ -14128,7 +14136,7 @@
               <a:buChar char="○"/>
             </a:pPr>
             <a:r>
-              <a:rPr lang="en" sz="900" u="sng">
+              <a:rPr lang="en" sz="900" u="sng" dirty="0">
                 <a:solidFill>
                   <a:schemeClr val="accent5"/>
                 </a:solidFill>
@@ -14143,10 +14151,10 @@
               <a:t>https://www.researchgate.net/publication/2510095_On_the_Verification_of_VDM_Specification_and_Refinement_with_PVS</a:t>
             </a:r>
             <a:r>
-              <a:rPr lang="en" sz="900"/>
+              <a:rPr lang="en" sz="900" dirty="0"/>
               <a:t> </a:t>
             </a:r>
-            <a:endParaRPr sz="900"/>
+            <a:endParaRPr sz="900" dirty="0"/>
           </a:p>
           <a:p>
             <a:pPr marL="457200" lvl="0" indent="-298767" algn="l" rtl="0">
@@ -14163,10 +14171,14 @@
               <a:buAutoNum type="arabicPeriod"/>
             </a:pPr>
             <a:r>
-              <a:rPr lang="en"/>
-              <a:t>Karabotsos (deep) embedding of VDM (LPF) in Isabelle/HOL (2005)</a:t>
-            </a:r>
-            <a:endParaRPr/>
+              <a:rPr lang="en" dirty="0" err="1"/>
+              <a:t>Karabotsos</a:t>
+            </a:r>
+            <a:r>
+              <a:rPr lang="en" dirty="0"/>
+              <a:t> (deep) embedding of VDM (LPF) in Isabelle/HOL (2005)</a:t>
+            </a:r>
+            <a:endParaRPr dirty="0"/>
           </a:p>
           <a:p>
             <a:pPr marL="914400" lvl="1" indent="-277177" algn="l" rtl="0">
@@ -14183,7 +14195,7 @@
               <a:buChar char="○"/>
             </a:pPr>
             <a:r>
-              <a:rPr lang="en" sz="900" u="sng">
+              <a:rPr lang="en" sz="900" u="sng" dirty="0">
                 <a:solidFill>
                   <a:schemeClr val="accent5"/>
                 </a:solidFill>
@@ -14201,7 +14213,7 @@
               </a:rPr>
               <a:t>https://spectrum.library.concordia.ca/id/eprint/8505/1/MR10289.pdf</a:t>
             </a:r>
-            <a:endParaRPr sz="900"/>
+            <a:endParaRPr sz="900" dirty="0"/>
           </a:p>
           <a:p>
             <a:pPr marL="457200" lvl="0" indent="-298767" algn="l" rtl="0">
@@ -14218,10 +14230,10 @@
               <a:buAutoNum type="arabicPeriod"/>
             </a:pPr>
             <a:r>
-              <a:rPr lang="en"/>
+              <a:rPr lang="en" dirty="0"/>
               <a:t>Freitas &amp; Woodcock soundness argument/result for VDM proofs in other logics (2008)</a:t>
             </a:r>
-            <a:endParaRPr/>
+            <a:endParaRPr dirty="0"/>
           </a:p>
           <a:p>
             <a:pPr marL="914400" lvl="1" indent="-287972" algn="l" rtl="0">
@@ -14238,11 +14250,19 @@
               <a:buChar char="○"/>
             </a:pPr>
             <a:r>
-              <a:rPr lang="en"/>
-              <a:t>Unifying Theories of Undefinedness [</a:t>
-            </a:r>
-            <a:r>
-              <a:rPr lang="en" sz="900" u="sng">
+              <a:rPr lang="en" dirty="0"/>
+              <a:t>Unifying Theories of </a:t>
+            </a:r>
+            <a:r>
+              <a:rPr lang="en" dirty="0" err="1"/>
+              <a:t>Undefinedness</a:t>
+            </a:r>
+            <a:r>
+              <a:rPr lang="en" dirty="0"/>
+              <a:t> [</a:t>
+            </a:r>
+            <a:r>
+              <a:rPr lang="en" sz="900" u="sng" dirty="0">
                 <a:solidFill>
                   <a:schemeClr val="hlink"/>
                 </a:solidFill>
@@ -14251,10 +14271,10 @@
               <a:t>https://doi.org/10.3233/978-1-58603-976-9-311</a:t>
             </a:r>
             <a:r>
-              <a:rPr lang="en"/>
+              <a:rPr lang="en" dirty="0"/>
               <a:t>]</a:t>
             </a:r>
-            <a:endParaRPr/>
+            <a:endParaRPr dirty="0"/>
           </a:p>
           <a:p>
             <a:pPr marL="914400" lvl="1" indent="-287972" algn="l" rtl="0">
@@ -14271,11 +14291,11 @@
               <a:buChar char="○"/>
             </a:pPr>
             <a:r>
-              <a:rPr lang="en"/>
+              <a:rPr lang="en" dirty="0"/>
               <a:t>Linking Z and VDM: (Z semi-classical) logic prover for VDM (LPF) theorems [</a:t>
             </a:r>
             <a:r>
-              <a:rPr lang="en" sz="700" u="sng">
+              <a:rPr lang="en" sz="700" u="sng" dirty="0">
                 <a:solidFill>
                   <a:schemeClr val="hlink"/>
                 </a:solidFill>
@@ -14288,10 +14308,10 @@
               <a:t>https://ieeexplore.ieee.org/document/4492887</a:t>
             </a:r>
             <a:r>
-              <a:rPr lang="en"/>
+              <a:rPr lang="en" dirty="0"/>
               <a:t>] </a:t>
             </a:r>
-            <a:endParaRPr/>
+            <a:endParaRPr dirty="0"/>
           </a:p>
           <a:p>
             <a:pPr marL="457200" lvl="0" indent="-298767" algn="l" rtl="0">
@@ -14308,10 +14328,22 @@
               <a:buAutoNum type="arabicPeriod"/>
             </a:pPr>
             <a:r>
-              <a:rPr lang="en"/>
-              <a:t>Vermolen, Hooman &amp; Larsen (shallow) embedding of VDM in HOL (2010)</a:t>
-            </a:r>
-            <a:endParaRPr/>
+              <a:rPr lang="en" dirty="0" err="1"/>
+              <a:t>Vermolen</a:t>
+            </a:r>
+            <a:r>
+              <a:rPr lang="en" dirty="0"/>
+              <a:t>, </a:t>
+            </a:r>
+            <a:r>
+              <a:rPr lang="en" dirty="0" err="1"/>
+              <a:t>Hooman</a:t>
+            </a:r>
+            <a:r>
+              <a:rPr lang="en" dirty="0"/>
+              <a:t> &amp; Larsen (shallow) embedding of VDM in HOL (2010)</a:t>
+            </a:r>
+            <a:endParaRPr dirty="0"/>
           </a:p>
           <a:p>
             <a:pPr marL="914400" lvl="1" indent="-287972" algn="l" rtl="0">
@@ -14328,11 +14360,11 @@
               <a:buChar char="○"/>
             </a:pPr>
             <a:r>
-              <a:rPr lang="en"/>
+              <a:rPr lang="en" dirty="0"/>
               <a:t>Hand-crafted proof tactics [</a:t>
             </a:r>
             <a:r>
-              <a:rPr lang="en" sz="900" u="sng">
+              <a:rPr lang="en" sz="900" u="sng" dirty="0">
                 <a:solidFill>
                   <a:schemeClr val="hlink"/>
                 </a:solidFill>
@@ -14345,10 +14377,10 @@
               <a:t>https://dl.acm.org/doi/10.1145/1774088.1774608</a:t>
             </a:r>
             <a:r>
-              <a:rPr lang="en"/>
+              <a:rPr lang="en" dirty="0"/>
               <a:t>]</a:t>
             </a:r>
-            <a:endParaRPr/>
+            <a:endParaRPr dirty="0"/>
           </a:p>
           <a:p>
             <a:pPr marL="457200" lvl="0" indent="-298767" algn="l" rtl="0">
@@ -14365,10 +14397,10 @@
               <a:buAutoNum type="arabicPeriod"/>
             </a:pPr>
             <a:r>
-              <a:rPr lang="en"/>
+              <a:rPr lang="en" dirty="0"/>
               <a:t>Freitas &amp; Whiteside (shallow) embedding of VDM in Isabelle/HOL (2014)</a:t>
             </a:r>
-            <a:endParaRPr/>
+            <a:endParaRPr dirty="0"/>
           </a:p>
           <a:p>
             <a:pPr marL="914400" lvl="1" indent="-287972" algn="l" rtl="0">
@@ -14385,11 +14417,11 @@
               <a:buChar char="○"/>
             </a:pPr>
             <a:r>
-              <a:rPr lang="en"/>
+              <a:rPr lang="en" dirty="0"/>
               <a:t>VDM theorems proved in Z and Isabelle/HOL [</a:t>
             </a:r>
             <a:r>
-              <a:rPr lang="en" sz="900" u="sng">
+              <a:rPr lang="en" sz="900" u="sng" dirty="0">
                 <a:solidFill>
                   <a:schemeClr val="hlink"/>
                 </a:solidFill>
@@ -14402,10 +14434,10 @@
               <a:t>https://link.springer.com/chapter/10.1007/978-3-319-06410-9_20</a:t>
             </a:r>
             <a:r>
-              <a:rPr lang="en"/>
+              <a:rPr lang="en" dirty="0"/>
               <a:t>]</a:t>
             </a:r>
-            <a:endParaRPr/>
+            <a:endParaRPr dirty="0"/>
           </a:p>
           <a:p>
             <a:pPr marL="457200" lvl="0" indent="-298767" algn="l" rtl="0">
@@ -14422,10 +14454,10 @@
               <a:buAutoNum type="arabicPeriod"/>
             </a:pPr>
             <a:r>
-              <a:rPr lang="en"/>
+              <a:rPr lang="en" dirty="0"/>
               <a:t>Freitas automated (shallow) embedding of VDM in Isabelle/HOL with proof crafting support (2021)</a:t>
             </a:r>
-            <a:endParaRPr/>
+            <a:endParaRPr dirty="0"/>
           </a:p>
           <a:p>
             <a:pPr marL="914400" lvl="1" indent="-287972" algn="l" rtl="0">
@@ -14442,11 +14474,11 @@
               <a:buChar char="○"/>
             </a:pPr>
             <a:r>
-              <a:rPr lang="en"/>
+              <a:rPr lang="en" dirty="0"/>
               <a:t>VDM toolkit project [</a:t>
             </a:r>
             <a:r>
-              <a:rPr lang="en" sz="900" u="sng">
+              <a:rPr lang="en" sz="900" u="sng" dirty="0">
                 <a:solidFill>
                   <a:schemeClr val="hlink"/>
                 </a:solidFill>
@@ -14459,10 +14491,10 @@
               <a:t>https://github.com/leouk/VDM_Toolkit</a:t>
             </a:r>
             <a:r>
-              <a:rPr lang="en"/>
+              <a:rPr lang="en" dirty="0"/>
               <a:t>]</a:t>
             </a:r>
-            <a:endParaRPr/>
+            <a:endParaRPr dirty="0"/>
           </a:p>
         </p:txBody>
       </p:sp>
